--- a/Terra Aurum/Store Lokationer/Bundne Bibliotek (Sølvdrage)/Stat Blocks.pptx
+++ b/Terra Aurum/Store Lokationer/Bundne Bibliotek (Sølvdrage)/Stat Blocks.pptx
@@ -5,7 +5,11 @@
     <p:sldMasterId id="2147483648" r:id="rId1"/>
   </p:sldMasterIdLst>
   <p:sldIdLst>
-    <p:sldId id="256" r:id="rId2"/>
+    <p:sldId id="257" r:id="rId2"/>
+    <p:sldId id="258" r:id="rId3"/>
+    <p:sldId id="256" r:id="rId4"/>
+    <p:sldId id="259" r:id="rId5"/>
+    <p:sldId id="260" r:id="rId6"/>
   </p:sldIdLst>
   <p:sldSz cx="12192000" cy="6858000"/>
   <p:notesSz cx="6858000" cy="9144000"/>
@@ -261,7 +265,7 @@
           <a:p>
             <a:fld id="{4BAC0A0C-FEAC-4932-A61E-9288A5E118AD}" type="datetimeFigureOut">
               <a:rPr lang="en-DK" smtClean="0"/>
-              <a:t>05/15/2023</a:t>
+              <a:t>15/05/2023</a:t>
             </a:fld>
             <a:endParaRPr lang="en-DK"/>
           </a:p>
@@ -461,7 +465,7 @@
           <a:p>
             <a:fld id="{4BAC0A0C-FEAC-4932-A61E-9288A5E118AD}" type="datetimeFigureOut">
               <a:rPr lang="en-DK" smtClean="0"/>
-              <a:t>05/15/2023</a:t>
+              <a:t>15/05/2023</a:t>
             </a:fld>
             <a:endParaRPr lang="en-DK"/>
           </a:p>
@@ -671,7 +675,7 @@
           <a:p>
             <a:fld id="{4BAC0A0C-FEAC-4932-A61E-9288A5E118AD}" type="datetimeFigureOut">
               <a:rPr lang="en-DK" smtClean="0"/>
-              <a:t>05/15/2023</a:t>
+              <a:t>15/05/2023</a:t>
             </a:fld>
             <a:endParaRPr lang="en-DK"/>
           </a:p>
@@ -871,7 +875,7 @@
           <a:p>
             <a:fld id="{4BAC0A0C-FEAC-4932-A61E-9288A5E118AD}" type="datetimeFigureOut">
               <a:rPr lang="en-DK" smtClean="0"/>
-              <a:t>05/15/2023</a:t>
+              <a:t>15/05/2023</a:t>
             </a:fld>
             <a:endParaRPr lang="en-DK"/>
           </a:p>
@@ -1147,7 +1151,7 @@
           <a:p>
             <a:fld id="{4BAC0A0C-FEAC-4932-A61E-9288A5E118AD}" type="datetimeFigureOut">
               <a:rPr lang="en-DK" smtClean="0"/>
-              <a:t>05/15/2023</a:t>
+              <a:t>15/05/2023</a:t>
             </a:fld>
             <a:endParaRPr lang="en-DK"/>
           </a:p>
@@ -1415,7 +1419,7 @@
           <a:p>
             <a:fld id="{4BAC0A0C-FEAC-4932-A61E-9288A5E118AD}" type="datetimeFigureOut">
               <a:rPr lang="en-DK" smtClean="0"/>
-              <a:t>05/15/2023</a:t>
+              <a:t>15/05/2023</a:t>
             </a:fld>
             <a:endParaRPr lang="en-DK"/>
           </a:p>
@@ -1830,7 +1834,7 @@
           <a:p>
             <a:fld id="{4BAC0A0C-FEAC-4932-A61E-9288A5E118AD}" type="datetimeFigureOut">
               <a:rPr lang="en-DK" smtClean="0"/>
-              <a:t>05/15/2023</a:t>
+              <a:t>15/05/2023</a:t>
             </a:fld>
             <a:endParaRPr lang="en-DK"/>
           </a:p>
@@ -1972,7 +1976,7 @@
           <a:p>
             <a:fld id="{4BAC0A0C-FEAC-4932-A61E-9288A5E118AD}" type="datetimeFigureOut">
               <a:rPr lang="en-DK" smtClean="0"/>
-              <a:t>05/15/2023</a:t>
+              <a:t>15/05/2023</a:t>
             </a:fld>
             <a:endParaRPr lang="en-DK"/>
           </a:p>
@@ -2085,7 +2089,7 @@
           <a:p>
             <a:fld id="{4BAC0A0C-FEAC-4932-A61E-9288A5E118AD}" type="datetimeFigureOut">
               <a:rPr lang="en-DK" smtClean="0"/>
-              <a:t>05/15/2023</a:t>
+              <a:t>15/05/2023</a:t>
             </a:fld>
             <a:endParaRPr lang="en-DK"/>
           </a:p>
@@ -2398,7 +2402,7 @@
           <a:p>
             <a:fld id="{4BAC0A0C-FEAC-4932-A61E-9288A5E118AD}" type="datetimeFigureOut">
               <a:rPr lang="en-DK" smtClean="0"/>
-              <a:t>05/15/2023</a:t>
+              <a:t>15/05/2023</a:t>
             </a:fld>
             <a:endParaRPr lang="en-DK"/>
           </a:p>
@@ -2687,7 +2691,7 @@
           <a:p>
             <a:fld id="{4BAC0A0C-FEAC-4932-A61E-9288A5E118AD}" type="datetimeFigureOut">
               <a:rPr lang="en-DK" smtClean="0"/>
-              <a:t>05/15/2023</a:t>
+              <a:t>15/05/2023</a:t>
             </a:fld>
             <a:endParaRPr lang="en-DK"/>
           </a:p>
@@ -2930,7 +2934,7 @@
           <a:p>
             <a:fld id="{4BAC0A0C-FEAC-4932-A61E-9288A5E118AD}" type="datetimeFigureOut">
               <a:rPr lang="en-DK" smtClean="0"/>
-              <a:t>05/15/2023</a:t>
+              <a:t>15/05/2023</a:t>
             </a:fld>
             <a:endParaRPr lang="en-DK"/>
           </a:p>
@@ -3347,6 +3351,381 @@
           <a:chExt cx="0" cy="0"/>
         </a:xfrm>
       </p:grpSpPr>
+      <p:sp>
+        <p:nvSpPr>
+          <p:cNvPr id="4" name="TextBox 3">
+            <a:extLst>
+              <a:ext uri="{FF2B5EF4-FFF2-40B4-BE49-F238E27FC236}">
+                <a16:creationId xmlns:a16="http://schemas.microsoft.com/office/drawing/2014/main" id="{67C83BA8-B653-43E7-DD7F-42875D44EC76}"/>
+              </a:ext>
+            </a:extLst>
+          </p:cNvPr>
+          <p:cNvSpPr txBox="1"/>
+          <p:nvPr/>
+        </p:nvSpPr>
+        <p:spPr>
+          <a:xfrm>
+            <a:off x="0" y="71021"/>
+            <a:ext cx="2361461" cy="369332"/>
+          </a:xfrm>
+          <a:prstGeom prst="rect">
+            <a:avLst/>
+          </a:prstGeom>
+          <a:noFill/>
+        </p:spPr>
+        <p:txBody>
+          <a:bodyPr wrap="square" rtlCol="0">
+            <a:spAutoFit/>
+          </a:bodyPr>
+          <a:lstStyle/>
+          <a:p>
+            <a:r>
+              <a:rPr lang="en-GB" dirty="0" err="1"/>
+              <a:t>Kabruushs</a:t>
+            </a:r>
+            <a:r>
+              <a:rPr lang="en-GB" dirty="0"/>
+              <a:t> </a:t>
+            </a:r>
+            <a:r>
+              <a:rPr lang="en-GB" dirty="0" err="1"/>
+              <a:t>monstre</a:t>
+            </a:r>
+            <a:endParaRPr lang="en-DK" dirty="0"/>
+          </a:p>
+        </p:txBody>
+      </p:sp>
+      <p:pic>
+        <p:nvPicPr>
+          <p:cNvPr id="6" name="Picture 5">
+            <a:extLst>
+              <a:ext uri="{FF2B5EF4-FFF2-40B4-BE49-F238E27FC236}">
+                <a16:creationId xmlns:a16="http://schemas.microsoft.com/office/drawing/2014/main" id="{F37721D5-1E57-A111-DE7A-22A2CA81A678}"/>
+              </a:ext>
+            </a:extLst>
+          </p:cNvPr>
+          <p:cNvPicPr>
+            <a:picLocks noChangeAspect="1"/>
+          </p:cNvPicPr>
+          <p:nvPr/>
+        </p:nvPicPr>
+        <p:blipFill>
+          <a:blip r:embed="rId2"/>
+          <a:stretch>
+            <a:fillRect/>
+          </a:stretch>
+        </p:blipFill>
+        <p:spPr>
+          <a:xfrm>
+            <a:off x="6862438" y="0"/>
+            <a:ext cx="5329561" cy="4656675"/>
+          </a:xfrm>
+          <a:prstGeom prst="rect">
+            <a:avLst/>
+          </a:prstGeom>
+        </p:spPr>
+      </p:pic>
+      <p:pic>
+        <p:nvPicPr>
+          <p:cNvPr id="8" name="Picture 7">
+            <a:extLst>
+              <a:ext uri="{FF2B5EF4-FFF2-40B4-BE49-F238E27FC236}">
+                <a16:creationId xmlns:a16="http://schemas.microsoft.com/office/drawing/2014/main" id="{428DBA71-0ED6-7B53-3DAA-3D9E420C675A}"/>
+              </a:ext>
+            </a:extLst>
+          </p:cNvPr>
+          <p:cNvPicPr>
+            <a:picLocks noChangeAspect="1"/>
+          </p:cNvPicPr>
+          <p:nvPr/>
+        </p:nvPicPr>
+        <p:blipFill>
+          <a:blip r:embed="rId3"/>
+          <a:stretch>
+            <a:fillRect/>
+          </a:stretch>
+        </p:blipFill>
+        <p:spPr>
+          <a:xfrm>
+            <a:off x="4410540" y="0"/>
+            <a:ext cx="2451898" cy="6196614"/>
+          </a:xfrm>
+          <a:prstGeom prst="rect">
+            <a:avLst/>
+          </a:prstGeom>
+        </p:spPr>
+      </p:pic>
+      <p:sp>
+        <p:nvSpPr>
+          <p:cNvPr id="9" name="TextBox 8">
+            <a:extLst>
+              <a:ext uri="{FF2B5EF4-FFF2-40B4-BE49-F238E27FC236}">
+                <a16:creationId xmlns:a16="http://schemas.microsoft.com/office/drawing/2014/main" id="{7473BCB6-3845-CACB-DFE5-69C6238E688C}"/>
+              </a:ext>
+            </a:extLst>
+          </p:cNvPr>
+          <p:cNvSpPr txBox="1"/>
+          <p:nvPr/>
+        </p:nvSpPr>
+        <p:spPr>
+          <a:xfrm>
+            <a:off x="4455758" y="6196614"/>
+            <a:ext cx="2361461" cy="261610"/>
+          </a:xfrm>
+          <a:prstGeom prst="rect">
+            <a:avLst/>
+          </a:prstGeom>
+          <a:noFill/>
+        </p:spPr>
+        <p:txBody>
+          <a:bodyPr wrap="square" rtlCol="0">
+            <a:spAutoFit/>
+          </a:bodyPr>
+          <a:lstStyle/>
+          <a:p>
+            <a:pPr algn="ctr"/>
+            <a:r>
+              <a:rPr lang="en-GB" sz="1100" dirty="0"/>
+              <a:t>Kan </a:t>
+            </a:r>
+            <a:r>
+              <a:rPr lang="en-GB" sz="1100" dirty="0" err="1"/>
+              <a:t>ikke</a:t>
+            </a:r>
+            <a:r>
+              <a:rPr lang="en-GB" sz="1100" dirty="0"/>
+              <a:t> willingly fail</a:t>
+            </a:r>
+            <a:endParaRPr lang="en-DK" sz="1100" dirty="0"/>
+          </a:p>
+        </p:txBody>
+      </p:sp>
+      <p:pic>
+        <p:nvPicPr>
+          <p:cNvPr id="11" name="Picture 10">
+            <a:extLst>
+              <a:ext uri="{FF2B5EF4-FFF2-40B4-BE49-F238E27FC236}">
+                <a16:creationId xmlns:a16="http://schemas.microsoft.com/office/drawing/2014/main" id="{3C6E6AE6-BDCB-AC84-3060-1656772C1982}"/>
+              </a:ext>
+            </a:extLst>
+          </p:cNvPr>
+          <p:cNvPicPr>
+            <a:picLocks noChangeAspect="1"/>
+          </p:cNvPicPr>
+          <p:nvPr/>
+        </p:nvPicPr>
+        <p:blipFill>
+          <a:blip r:embed="rId4"/>
+          <a:stretch>
+            <a:fillRect/>
+          </a:stretch>
+        </p:blipFill>
+        <p:spPr>
+          <a:xfrm>
+            <a:off x="2086809" y="-1"/>
+            <a:ext cx="2323730" cy="6196613"/>
+          </a:xfrm>
+          <a:prstGeom prst="rect">
+            <a:avLst/>
+          </a:prstGeom>
+        </p:spPr>
+      </p:pic>
+    </p:spTree>
+    <p:extLst>
+      <p:ext uri="{BB962C8B-B14F-4D97-AF65-F5344CB8AC3E}">
+        <p14:creationId xmlns:p14="http://schemas.microsoft.com/office/powerpoint/2010/main" val="1711224218"/>
+      </p:ext>
+    </p:extLst>
+  </p:cSld>
+  <p:clrMapOvr>
+    <a:masterClrMapping/>
+  </p:clrMapOvr>
+</p:sld>
+</file>
+
+<file path=ppt/slides/slide2.xml><?xml version="1.0" encoding="utf-8"?>
+<p:sld xmlns:a="http://schemas.openxmlformats.org/drawingml/2006/main" xmlns:r="http://schemas.openxmlformats.org/officeDocument/2006/relationships" xmlns:p="http://schemas.openxmlformats.org/presentationml/2006/main">
+  <p:cSld>
+    <p:spTree>
+      <p:nvGrpSpPr>
+        <p:cNvPr id="1" name=""/>
+        <p:cNvGrpSpPr/>
+        <p:nvPr/>
+      </p:nvGrpSpPr>
+      <p:grpSpPr>
+        <a:xfrm>
+          <a:off x="0" y="0"/>
+          <a:ext cx="0" cy="0"/>
+          <a:chOff x="0" y="0"/>
+          <a:chExt cx="0" cy="0"/>
+        </a:xfrm>
+      </p:grpSpPr>
+      <p:sp>
+        <p:nvSpPr>
+          <p:cNvPr id="4" name="TextBox 3">
+            <a:extLst>
+              <a:ext uri="{FF2B5EF4-FFF2-40B4-BE49-F238E27FC236}">
+                <a16:creationId xmlns:a16="http://schemas.microsoft.com/office/drawing/2014/main" id="{5D1AAB0C-D021-5F8C-FF26-4754DB8041F7}"/>
+              </a:ext>
+            </a:extLst>
+          </p:cNvPr>
+          <p:cNvSpPr txBox="1"/>
+          <p:nvPr/>
+        </p:nvSpPr>
+        <p:spPr>
+          <a:xfrm>
+            <a:off x="0" y="71021"/>
+            <a:ext cx="2361461" cy="369332"/>
+          </a:xfrm>
+          <a:prstGeom prst="rect">
+            <a:avLst/>
+          </a:prstGeom>
+          <a:noFill/>
+        </p:spPr>
+        <p:txBody>
+          <a:bodyPr wrap="square" rtlCol="0">
+            <a:spAutoFit/>
+          </a:bodyPr>
+          <a:lstStyle/>
+          <a:p>
+            <a:r>
+              <a:rPr lang="en-GB" dirty="0"/>
+              <a:t>Celestial </a:t>
+            </a:r>
+            <a:r>
+              <a:rPr lang="en-GB" dirty="0" err="1"/>
+              <a:t>Vogtere</a:t>
+            </a:r>
+            <a:endParaRPr lang="en-DK" dirty="0"/>
+          </a:p>
+        </p:txBody>
+      </p:sp>
+      <p:pic>
+        <p:nvPicPr>
+          <p:cNvPr id="6" name="Picture 5">
+            <a:extLst>
+              <a:ext uri="{FF2B5EF4-FFF2-40B4-BE49-F238E27FC236}">
+                <a16:creationId xmlns:a16="http://schemas.microsoft.com/office/drawing/2014/main" id="{6053A2D9-ACB0-D624-8418-B77B4F2BB00E}"/>
+              </a:ext>
+            </a:extLst>
+          </p:cNvPr>
+          <p:cNvPicPr>
+            <a:picLocks noChangeAspect="1"/>
+          </p:cNvPicPr>
+          <p:nvPr/>
+        </p:nvPicPr>
+        <p:blipFill>
+          <a:blip r:embed="rId2"/>
+          <a:stretch>
+            <a:fillRect/>
+          </a:stretch>
+        </p:blipFill>
+        <p:spPr>
+          <a:xfrm>
+            <a:off x="6359372" y="0"/>
+            <a:ext cx="5832628" cy="4536489"/>
+          </a:xfrm>
+          <a:prstGeom prst="rect">
+            <a:avLst/>
+          </a:prstGeom>
+        </p:spPr>
+      </p:pic>
+      <p:pic>
+        <p:nvPicPr>
+          <p:cNvPr id="8" name="Picture 7">
+            <a:extLst>
+              <a:ext uri="{FF2B5EF4-FFF2-40B4-BE49-F238E27FC236}">
+                <a16:creationId xmlns:a16="http://schemas.microsoft.com/office/drawing/2014/main" id="{8079F94F-5AC9-A61D-53A0-909893E04AE2}"/>
+              </a:ext>
+            </a:extLst>
+          </p:cNvPr>
+          <p:cNvPicPr>
+            <a:picLocks noChangeAspect="1"/>
+          </p:cNvPicPr>
+          <p:nvPr/>
+        </p:nvPicPr>
+        <p:blipFill>
+          <a:blip r:embed="rId3"/>
+          <a:stretch>
+            <a:fillRect/>
+          </a:stretch>
+        </p:blipFill>
+        <p:spPr>
+          <a:xfrm>
+            <a:off x="3570396" y="0"/>
+            <a:ext cx="2788976" cy="6858000"/>
+          </a:xfrm>
+          <a:prstGeom prst="rect">
+            <a:avLst/>
+          </a:prstGeom>
+        </p:spPr>
+      </p:pic>
+      <p:sp>
+        <p:nvSpPr>
+          <p:cNvPr id="9" name="TextBox 8">
+            <a:extLst>
+              <a:ext uri="{FF2B5EF4-FFF2-40B4-BE49-F238E27FC236}">
+                <a16:creationId xmlns:a16="http://schemas.microsoft.com/office/drawing/2014/main" id="{BC39500C-519A-2D7C-CFFE-EE3C8D2A5DBF}"/>
+              </a:ext>
+            </a:extLst>
+          </p:cNvPr>
+          <p:cNvSpPr txBox="1"/>
+          <p:nvPr/>
+        </p:nvSpPr>
+        <p:spPr>
+          <a:xfrm>
+            <a:off x="6359372" y="6428911"/>
+            <a:ext cx="2361461" cy="261610"/>
+          </a:xfrm>
+          <a:prstGeom prst="rect">
+            <a:avLst/>
+          </a:prstGeom>
+          <a:noFill/>
+        </p:spPr>
+        <p:txBody>
+          <a:bodyPr wrap="square" rtlCol="0">
+            <a:spAutoFit/>
+          </a:bodyPr>
+          <a:lstStyle/>
+          <a:p>
+            <a:r>
+              <a:rPr lang="en-GB" sz="1100" dirty="0"/>
+              <a:t>Celestial</a:t>
+            </a:r>
+            <a:endParaRPr lang="en-DK" sz="1100" dirty="0"/>
+          </a:p>
+        </p:txBody>
+      </p:sp>
+    </p:spTree>
+    <p:extLst>
+      <p:ext uri="{BB962C8B-B14F-4D97-AF65-F5344CB8AC3E}">
+        <p14:creationId xmlns:p14="http://schemas.microsoft.com/office/powerpoint/2010/main" val="3192152078"/>
+      </p:ext>
+    </p:extLst>
+  </p:cSld>
+  <p:clrMapOvr>
+    <a:masterClrMapping/>
+  </p:clrMapOvr>
+</p:sld>
+</file>
+
+<file path=ppt/slides/slide3.xml><?xml version="1.0" encoding="utf-8"?>
+<p:sld xmlns:a="http://schemas.openxmlformats.org/drawingml/2006/main" xmlns:r="http://schemas.openxmlformats.org/officeDocument/2006/relationships" xmlns:p="http://schemas.openxmlformats.org/presentationml/2006/main">
+  <p:cSld>
+    <p:spTree>
+      <p:nvGrpSpPr>
+        <p:cNvPr id="1" name=""/>
+        <p:cNvGrpSpPr/>
+        <p:nvPr/>
+      </p:nvGrpSpPr>
+      <p:grpSpPr>
+        <a:xfrm>
+          <a:off x="0" y="0"/>
+          <a:ext cx="0" cy="0"/>
+          <a:chOff x="0" y="0"/>
+          <a:chExt cx="0" cy="0"/>
+        </a:xfrm>
+      </p:grpSpPr>
       <p:pic>
         <p:nvPicPr>
           <p:cNvPr id="5" name="Picture 4">
@@ -3417,6 +3796,126 @@
     <p:extLst>
       <p:ext uri="{BB962C8B-B14F-4D97-AF65-F5344CB8AC3E}">
         <p14:creationId xmlns:p14="http://schemas.microsoft.com/office/powerpoint/2010/main" val="415807117"/>
+      </p:ext>
+    </p:extLst>
+  </p:cSld>
+  <p:clrMapOvr>
+    <a:masterClrMapping/>
+  </p:clrMapOvr>
+</p:sld>
+</file>
+
+<file path=ppt/slides/slide4.xml><?xml version="1.0" encoding="utf-8"?>
+<p:sld xmlns:a="http://schemas.openxmlformats.org/drawingml/2006/main" xmlns:r="http://schemas.openxmlformats.org/officeDocument/2006/relationships" xmlns:p="http://schemas.openxmlformats.org/presentationml/2006/main">
+  <p:cSld>
+    <p:spTree>
+      <p:nvGrpSpPr>
+        <p:cNvPr id="1" name=""/>
+        <p:cNvGrpSpPr/>
+        <p:nvPr/>
+      </p:nvGrpSpPr>
+      <p:grpSpPr>
+        <a:xfrm>
+          <a:off x="0" y="0"/>
+          <a:ext cx="0" cy="0"/>
+          <a:chOff x="0" y="0"/>
+          <a:chExt cx="0" cy="0"/>
+        </a:xfrm>
+      </p:grpSpPr>
+      <p:pic>
+        <p:nvPicPr>
+          <p:cNvPr id="5" name="Picture 4">
+            <a:extLst>
+              <a:ext uri="{FF2B5EF4-FFF2-40B4-BE49-F238E27FC236}">
+                <a16:creationId xmlns:a16="http://schemas.microsoft.com/office/drawing/2014/main" id="{83A1A5F2-D290-32AE-7FD3-C32D3162E2BF}"/>
+              </a:ext>
+            </a:extLst>
+          </p:cNvPr>
+          <p:cNvPicPr>
+            <a:picLocks noChangeAspect="1"/>
+          </p:cNvPicPr>
+          <p:nvPr/>
+        </p:nvPicPr>
+        <p:blipFill>
+          <a:blip r:embed="rId2"/>
+          <a:stretch>
+            <a:fillRect/>
+          </a:stretch>
+        </p:blipFill>
+        <p:spPr>
+          <a:xfrm>
+            <a:off x="5552148" y="0"/>
+            <a:ext cx="6639852" cy="5887272"/>
+          </a:xfrm>
+          <a:prstGeom prst="rect">
+            <a:avLst/>
+          </a:prstGeom>
+        </p:spPr>
+      </p:pic>
+    </p:spTree>
+    <p:extLst>
+      <p:ext uri="{BB962C8B-B14F-4D97-AF65-F5344CB8AC3E}">
+        <p14:creationId xmlns:p14="http://schemas.microsoft.com/office/powerpoint/2010/main" val="1567128721"/>
+      </p:ext>
+    </p:extLst>
+  </p:cSld>
+  <p:clrMapOvr>
+    <a:masterClrMapping/>
+  </p:clrMapOvr>
+</p:sld>
+</file>
+
+<file path=ppt/slides/slide5.xml><?xml version="1.0" encoding="utf-8"?>
+<p:sld xmlns:a="http://schemas.openxmlformats.org/drawingml/2006/main" xmlns:r="http://schemas.openxmlformats.org/officeDocument/2006/relationships" xmlns:p="http://schemas.openxmlformats.org/presentationml/2006/main">
+  <p:cSld>
+    <p:spTree>
+      <p:nvGrpSpPr>
+        <p:cNvPr id="1" name=""/>
+        <p:cNvGrpSpPr/>
+        <p:nvPr/>
+      </p:nvGrpSpPr>
+      <p:grpSpPr>
+        <a:xfrm>
+          <a:off x="0" y="0"/>
+          <a:ext cx="0" cy="0"/>
+          <a:chOff x="0" y="0"/>
+          <a:chExt cx="0" cy="0"/>
+        </a:xfrm>
+      </p:grpSpPr>
+      <p:pic>
+        <p:nvPicPr>
+          <p:cNvPr id="5" name="Picture 4">
+            <a:extLst>
+              <a:ext uri="{FF2B5EF4-FFF2-40B4-BE49-F238E27FC236}">
+                <a16:creationId xmlns:a16="http://schemas.microsoft.com/office/drawing/2014/main" id="{931EEDB1-5E2F-93F7-37CD-3649C44E85E8}"/>
+              </a:ext>
+            </a:extLst>
+          </p:cNvPr>
+          <p:cNvPicPr>
+            <a:picLocks noChangeAspect="1"/>
+          </p:cNvPicPr>
+          <p:nvPr/>
+        </p:nvPicPr>
+        <p:blipFill>
+          <a:blip r:embed="rId2"/>
+          <a:stretch>
+            <a:fillRect/>
+          </a:stretch>
+        </p:blipFill>
+        <p:spPr>
+          <a:xfrm>
+            <a:off x="5580727" y="0"/>
+            <a:ext cx="6611273" cy="5515745"/>
+          </a:xfrm>
+          <a:prstGeom prst="rect">
+            <a:avLst/>
+          </a:prstGeom>
+        </p:spPr>
+      </p:pic>
+    </p:spTree>
+    <p:extLst>
+      <p:ext uri="{BB962C8B-B14F-4D97-AF65-F5344CB8AC3E}">
+        <p14:creationId xmlns:p14="http://schemas.microsoft.com/office/powerpoint/2010/main" val="626448894"/>
       </p:ext>
     </p:extLst>
   </p:cSld>

--- a/Terra Aurum/Store Lokationer/Bundne Bibliotek (Sølvdrage)/Stat Blocks.pptx
+++ b/Terra Aurum/Store Lokationer/Bundne Bibliotek (Sølvdrage)/Stat Blocks.pptx
@@ -7,9 +7,8 @@
   <p:sldIdLst>
     <p:sldId id="257" r:id="rId2"/>
     <p:sldId id="258" r:id="rId3"/>
-    <p:sldId id="256" r:id="rId4"/>
-    <p:sldId id="259" r:id="rId5"/>
-    <p:sldId id="260" r:id="rId6"/>
+    <p:sldId id="259" r:id="rId4"/>
+    <p:sldId id="256" r:id="rId5"/>
   </p:sldIdLst>
   <p:sldSz cx="12192000" cy="6858000"/>
   <p:notesSz cx="6858000" cy="9144000"/>
@@ -265,7 +264,7 @@
           <a:p>
             <a:fld id="{4BAC0A0C-FEAC-4932-A61E-9288A5E118AD}" type="datetimeFigureOut">
               <a:rPr lang="en-DK" smtClean="0"/>
-              <a:t>15/05/2023</a:t>
+              <a:t>05/16/2023</a:t>
             </a:fld>
             <a:endParaRPr lang="en-DK"/>
           </a:p>
@@ -465,7 +464,7 @@
           <a:p>
             <a:fld id="{4BAC0A0C-FEAC-4932-A61E-9288A5E118AD}" type="datetimeFigureOut">
               <a:rPr lang="en-DK" smtClean="0"/>
-              <a:t>15/05/2023</a:t>
+              <a:t>05/16/2023</a:t>
             </a:fld>
             <a:endParaRPr lang="en-DK"/>
           </a:p>
@@ -675,7 +674,7 @@
           <a:p>
             <a:fld id="{4BAC0A0C-FEAC-4932-A61E-9288A5E118AD}" type="datetimeFigureOut">
               <a:rPr lang="en-DK" smtClean="0"/>
-              <a:t>15/05/2023</a:t>
+              <a:t>05/16/2023</a:t>
             </a:fld>
             <a:endParaRPr lang="en-DK"/>
           </a:p>
@@ -875,7 +874,7 @@
           <a:p>
             <a:fld id="{4BAC0A0C-FEAC-4932-A61E-9288A5E118AD}" type="datetimeFigureOut">
               <a:rPr lang="en-DK" smtClean="0"/>
-              <a:t>15/05/2023</a:t>
+              <a:t>05/16/2023</a:t>
             </a:fld>
             <a:endParaRPr lang="en-DK"/>
           </a:p>
@@ -1151,7 +1150,7 @@
           <a:p>
             <a:fld id="{4BAC0A0C-FEAC-4932-A61E-9288A5E118AD}" type="datetimeFigureOut">
               <a:rPr lang="en-DK" smtClean="0"/>
-              <a:t>15/05/2023</a:t>
+              <a:t>05/16/2023</a:t>
             </a:fld>
             <a:endParaRPr lang="en-DK"/>
           </a:p>
@@ -1419,7 +1418,7 @@
           <a:p>
             <a:fld id="{4BAC0A0C-FEAC-4932-A61E-9288A5E118AD}" type="datetimeFigureOut">
               <a:rPr lang="en-DK" smtClean="0"/>
-              <a:t>15/05/2023</a:t>
+              <a:t>05/16/2023</a:t>
             </a:fld>
             <a:endParaRPr lang="en-DK"/>
           </a:p>
@@ -1834,7 +1833,7 @@
           <a:p>
             <a:fld id="{4BAC0A0C-FEAC-4932-A61E-9288A5E118AD}" type="datetimeFigureOut">
               <a:rPr lang="en-DK" smtClean="0"/>
-              <a:t>15/05/2023</a:t>
+              <a:t>05/16/2023</a:t>
             </a:fld>
             <a:endParaRPr lang="en-DK"/>
           </a:p>
@@ -1976,7 +1975,7 @@
           <a:p>
             <a:fld id="{4BAC0A0C-FEAC-4932-A61E-9288A5E118AD}" type="datetimeFigureOut">
               <a:rPr lang="en-DK" smtClean="0"/>
-              <a:t>15/05/2023</a:t>
+              <a:t>05/16/2023</a:t>
             </a:fld>
             <a:endParaRPr lang="en-DK"/>
           </a:p>
@@ -2089,7 +2088,7 @@
           <a:p>
             <a:fld id="{4BAC0A0C-FEAC-4932-A61E-9288A5E118AD}" type="datetimeFigureOut">
               <a:rPr lang="en-DK" smtClean="0"/>
-              <a:t>15/05/2023</a:t>
+              <a:t>05/16/2023</a:t>
             </a:fld>
             <a:endParaRPr lang="en-DK"/>
           </a:p>
@@ -2402,7 +2401,7 @@
           <a:p>
             <a:fld id="{4BAC0A0C-FEAC-4932-A61E-9288A5E118AD}" type="datetimeFigureOut">
               <a:rPr lang="en-DK" smtClean="0"/>
-              <a:t>15/05/2023</a:t>
+              <a:t>05/16/2023</a:t>
             </a:fld>
             <a:endParaRPr lang="en-DK"/>
           </a:p>
@@ -2691,7 +2690,7 @@
           <a:p>
             <a:fld id="{4BAC0A0C-FEAC-4932-A61E-9288A5E118AD}" type="datetimeFigureOut">
               <a:rPr lang="en-DK" smtClean="0"/>
-              <a:t>15/05/2023</a:t>
+              <a:t>05/16/2023</a:t>
             </a:fld>
             <a:endParaRPr lang="en-DK"/>
           </a:p>
@@ -2934,7 +2933,7 @@
           <a:p>
             <a:fld id="{4BAC0A0C-FEAC-4932-A61E-9288A5E118AD}" type="datetimeFigureOut">
               <a:rPr lang="en-DK" smtClean="0"/>
-              <a:t>15/05/2023</a:t>
+              <a:t>05/16/2023</a:t>
             </a:fld>
             <a:endParaRPr lang="en-DK"/>
           </a:p>
@@ -3596,6 +3595,10 @@
               <a:rPr lang="en-GB" dirty="0" err="1"/>
               <a:t>Vogtere</a:t>
             </a:r>
+            <a:r>
+              <a:rPr lang="en-GB" dirty="0"/>
+              <a:t> 1</a:t>
+            </a:r>
             <a:endParaRPr lang="en-DK" dirty="0"/>
           </a:p>
         </p:txBody>
@@ -3622,7 +3625,7 @@
         </p:blipFill>
         <p:spPr>
           <a:xfrm>
-            <a:off x="6359372" y="0"/>
+            <a:off x="0" y="440353"/>
             <a:ext cx="5832628" cy="4536489"/>
           </a:xfrm>
           <a:prstGeom prst="rect">
@@ -3632,10 +3635,10 @@
       </p:pic>
       <p:pic>
         <p:nvPicPr>
-          <p:cNvPr id="8" name="Picture 7">
-            <a:extLst>
-              <a:ext uri="{FF2B5EF4-FFF2-40B4-BE49-F238E27FC236}">
-                <a16:creationId xmlns:a16="http://schemas.microsoft.com/office/drawing/2014/main" id="{8079F94F-5AC9-A61D-53A0-909893E04AE2}"/>
+          <p:cNvPr id="10" name="Picture 9">
+            <a:extLst>
+              <a:ext uri="{FF2B5EF4-FFF2-40B4-BE49-F238E27FC236}">
+                <a16:creationId xmlns:a16="http://schemas.microsoft.com/office/drawing/2014/main" id="{0B0B588D-DCFF-A843-C74C-1DFA3494FE53}"/>
               </a:ext>
             </a:extLst>
           </p:cNvPr>
@@ -3652,20 +3655,50 @@
         </p:blipFill>
         <p:spPr>
           <a:xfrm>
-            <a:off x="3570396" y="0"/>
-            <a:ext cx="2788976" cy="6858000"/>
+            <a:off x="8505233" y="0"/>
+            <a:ext cx="2443840" cy="6858000"/>
           </a:xfrm>
           <a:prstGeom prst="rect">
             <a:avLst/>
           </a:prstGeom>
         </p:spPr>
       </p:pic>
-      <p:sp>
-        <p:nvSpPr>
-          <p:cNvPr id="9" name="TextBox 8">
-            <a:extLst>
-              <a:ext uri="{FF2B5EF4-FFF2-40B4-BE49-F238E27FC236}">
-                <a16:creationId xmlns:a16="http://schemas.microsoft.com/office/drawing/2014/main" id="{BC39500C-519A-2D7C-CFFE-EE3C8D2A5DBF}"/>
+      <p:pic>
+        <p:nvPicPr>
+          <p:cNvPr id="11" name="Picture 10">
+            <a:extLst>
+              <a:ext uri="{FF2B5EF4-FFF2-40B4-BE49-F238E27FC236}">
+                <a16:creationId xmlns:a16="http://schemas.microsoft.com/office/drawing/2014/main" id="{15D313C0-499B-FCBD-D0AB-CE3574839DBA}"/>
+              </a:ext>
+            </a:extLst>
+          </p:cNvPr>
+          <p:cNvPicPr>
+            <a:picLocks noChangeAspect="1"/>
+          </p:cNvPicPr>
+          <p:nvPr/>
+        </p:nvPicPr>
+        <p:blipFill>
+          <a:blip r:embed="rId4"/>
+          <a:stretch>
+            <a:fillRect/>
+          </a:stretch>
+        </p:blipFill>
+        <p:spPr>
+          <a:xfrm>
+            <a:off x="5930933" y="0"/>
+            <a:ext cx="2574300" cy="6858000"/>
+          </a:xfrm>
+          <a:prstGeom prst="rect">
+            <a:avLst/>
+          </a:prstGeom>
+        </p:spPr>
+      </p:pic>
+      <p:sp>
+        <p:nvSpPr>
+          <p:cNvPr id="12" name="TextBox 11">
+            <a:extLst>
+              <a:ext uri="{FF2B5EF4-FFF2-40B4-BE49-F238E27FC236}">
+                <a16:creationId xmlns:a16="http://schemas.microsoft.com/office/drawing/2014/main" id="{E85F37C5-4B11-5712-87F0-CB91DC5C107B}"/>
               </a:ext>
             </a:extLst>
           </p:cNvPr>
@@ -3674,7 +3707,7 @@
         </p:nvSpPr>
         <p:spPr>
           <a:xfrm>
-            <a:off x="6359372" y="6428911"/>
+            <a:off x="10941772" y="6468138"/>
             <a:ext cx="2361461" cy="261610"/>
           </a:xfrm>
           <a:prstGeom prst="rect">
@@ -3731,7 +3764,7 @@
           <p:cNvPr id="5" name="Picture 4">
             <a:extLst>
               <a:ext uri="{FF2B5EF4-FFF2-40B4-BE49-F238E27FC236}">
-                <a16:creationId xmlns:a16="http://schemas.microsoft.com/office/drawing/2014/main" id="{5744A977-F694-E62D-BDCF-EE525DC92DDF}"/>
+                <a16:creationId xmlns:a16="http://schemas.microsoft.com/office/drawing/2014/main" id="{83A1A5F2-D290-32AE-7FD3-C32D3162E2BF}"/>
               </a:ext>
             </a:extLst>
           </p:cNvPr>
@@ -3748,20 +3781,50 @@
         </p:blipFill>
         <p:spPr>
           <a:xfrm>
-            <a:off x="3397070" y="0"/>
-            <a:ext cx="5397860" cy="6858000"/>
+            <a:off x="-65663" y="1270305"/>
+            <a:ext cx="5954094" cy="5279240"/>
           </a:xfrm>
           <a:prstGeom prst="rect">
             <a:avLst/>
           </a:prstGeom>
         </p:spPr>
       </p:pic>
-      <p:sp>
-        <p:nvSpPr>
-          <p:cNvPr id="6" name="TextBox 5">
-            <a:extLst>
-              <a:ext uri="{FF2B5EF4-FFF2-40B4-BE49-F238E27FC236}">
-                <a16:creationId xmlns:a16="http://schemas.microsoft.com/office/drawing/2014/main" id="{AFD09E74-EFDA-6DC6-B3B9-D9DC7F5B40C0}"/>
+      <p:pic>
+        <p:nvPicPr>
+          <p:cNvPr id="2" name="Picture 1">
+            <a:extLst>
+              <a:ext uri="{FF2B5EF4-FFF2-40B4-BE49-F238E27FC236}">
+                <a16:creationId xmlns:a16="http://schemas.microsoft.com/office/drawing/2014/main" id="{D58208C2-C18D-FF2E-D50A-B4FC5437E9C0}"/>
+              </a:ext>
+            </a:extLst>
+          </p:cNvPr>
+          <p:cNvPicPr>
+            <a:picLocks noChangeAspect="1"/>
+          </p:cNvPicPr>
+          <p:nvPr/>
+        </p:nvPicPr>
+        <p:blipFill>
+          <a:blip r:embed="rId3"/>
+          <a:stretch>
+            <a:fillRect/>
+          </a:stretch>
+        </p:blipFill>
+        <p:spPr>
+          <a:xfrm>
+            <a:off x="5864206" y="1270305"/>
+            <a:ext cx="6327794" cy="5279240"/>
+          </a:xfrm>
+          <a:prstGeom prst="rect">
+            <a:avLst/>
+          </a:prstGeom>
+        </p:spPr>
+      </p:pic>
+      <p:sp>
+        <p:nvSpPr>
+          <p:cNvPr id="3" name="TextBox 2">
+            <a:extLst>
+              <a:ext uri="{FF2B5EF4-FFF2-40B4-BE49-F238E27FC236}">
+                <a16:creationId xmlns:a16="http://schemas.microsoft.com/office/drawing/2014/main" id="{5FC2B624-FD10-5454-B689-8614574D91BE}"/>
               </a:ext>
             </a:extLst>
           </p:cNvPr>
@@ -3770,8 +3833,8 @@
         </p:nvSpPr>
         <p:spPr>
           <a:xfrm>
-            <a:off x="514905" y="239697"/>
-            <a:ext cx="2565647" cy="369332"/>
+            <a:off x="0" y="71021"/>
+            <a:ext cx="2361461" cy="369332"/>
           </a:xfrm>
           <a:prstGeom prst="rect">
             <a:avLst/>
@@ -3785,8 +3848,16 @@
           <a:lstStyle/>
           <a:p>
             <a:r>
+              <a:rPr lang="en-GB" dirty="0"/>
+              <a:t>Celestial </a:t>
+            </a:r>
+            <a:r>
               <a:rPr lang="en-GB" dirty="0" err="1"/>
-              <a:t>Dragen</a:t>
+              <a:t>Vogtere</a:t>
+            </a:r>
+            <a:r>
+              <a:rPr lang="en-GB" dirty="0"/>
+              <a:t> 2</a:t>
             </a:r>
             <a:endParaRPr lang="en-DK" dirty="0"/>
           </a:p>
@@ -3795,7 +3866,7 @@
     </p:spTree>
     <p:extLst>
       <p:ext uri="{BB962C8B-B14F-4D97-AF65-F5344CB8AC3E}">
-        <p14:creationId xmlns:p14="http://schemas.microsoft.com/office/powerpoint/2010/main" val="415807117"/>
+        <p14:creationId xmlns:p14="http://schemas.microsoft.com/office/powerpoint/2010/main" val="1567128721"/>
       </p:ext>
     </p:extLst>
   </p:cSld>
@@ -3827,7 +3898,7 @@
           <p:cNvPr id="5" name="Picture 4">
             <a:extLst>
               <a:ext uri="{FF2B5EF4-FFF2-40B4-BE49-F238E27FC236}">
-                <a16:creationId xmlns:a16="http://schemas.microsoft.com/office/drawing/2014/main" id="{83A1A5F2-D290-32AE-7FD3-C32D3162E2BF}"/>
+                <a16:creationId xmlns:a16="http://schemas.microsoft.com/office/drawing/2014/main" id="{5744A977-F694-E62D-BDCF-EE525DC92DDF}"/>
               </a:ext>
             </a:extLst>
           </p:cNvPr>
@@ -3844,78 +3915,72 @@
         </p:blipFill>
         <p:spPr>
           <a:xfrm>
-            <a:off x="5552148" y="0"/>
-            <a:ext cx="6639852" cy="5887272"/>
+            <a:off x="3397070" y="0"/>
+            <a:ext cx="5397860" cy="6858000"/>
           </a:xfrm>
           <a:prstGeom prst="rect">
             <a:avLst/>
           </a:prstGeom>
         </p:spPr>
       </p:pic>
-    </p:spTree>
-    <p:extLst>
-      <p:ext uri="{BB962C8B-B14F-4D97-AF65-F5344CB8AC3E}">
-        <p14:creationId xmlns:p14="http://schemas.microsoft.com/office/powerpoint/2010/main" val="1567128721"/>
-      </p:ext>
-    </p:extLst>
-  </p:cSld>
-  <p:clrMapOvr>
-    <a:masterClrMapping/>
-  </p:clrMapOvr>
-</p:sld>
-</file>
-
-<file path=ppt/slides/slide5.xml><?xml version="1.0" encoding="utf-8"?>
-<p:sld xmlns:a="http://schemas.openxmlformats.org/drawingml/2006/main" xmlns:r="http://schemas.openxmlformats.org/officeDocument/2006/relationships" xmlns:p="http://schemas.openxmlformats.org/presentationml/2006/main">
-  <p:cSld>
-    <p:spTree>
-      <p:nvGrpSpPr>
-        <p:cNvPr id="1" name=""/>
-        <p:cNvGrpSpPr/>
-        <p:nvPr/>
-      </p:nvGrpSpPr>
-      <p:grpSpPr>
-        <a:xfrm>
-          <a:off x="0" y="0"/>
-          <a:ext cx="0" cy="0"/>
-          <a:chOff x="0" y="0"/>
-          <a:chExt cx="0" cy="0"/>
-        </a:xfrm>
-      </p:grpSpPr>
-      <p:pic>
-        <p:nvPicPr>
-          <p:cNvPr id="5" name="Picture 4">
-            <a:extLst>
-              <a:ext uri="{FF2B5EF4-FFF2-40B4-BE49-F238E27FC236}">
-                <a16:creationId xmlns:a16="http://schemas.microsoft.com/office/drawing/2014/main" id="{931EEDB1-5E2F-93F7-37CD-3649C44E85E8}"/>
-              </a:ext>
-            </a:extLst>
-          </p:cNvPr>
-          <p:cNvPicPr>
-            <a:picLocks noChangeAspect="1"/>
-          </p:cNvPicPr>
+      <p:sp>
+        <p:nvSpPr>
+          <p:cNvPr id="6" name="TextBox 5">
+            <a:extLst>
+              <a:ext uri="{FF2B5EF4-FFF2-40B4-BE49-F238E27FC236}">
+                <a16:creationId xmlns:a16="http://schemas.microsoft.com/office/drawing/2014/main" id="{AFD09E74-EFDA-6DC6-B3B9-D9DC7F5B40C0}"/>
+              </a:ext>
+            </a:extLst>
+          </p:cNvPr>
+          <p:cNvSpPr txBox="1"/>
           <p:nvPr/>
-        </p:nvPicPr>
-        <p:blipFill>
-          <a:blip r:embed="rId2"/>
-          <a:stretch>
-            <a:fillRect/>
-          </a:stretch>
-        </p:blipFill>
+        </p:nvSpPr>
         <p:spPr>
           <a:xfrm>
-            <a:off x="5580727" y="0"/>
-            <a:ext cx="6611273" cy="5515745"/>
+            <a:off x="514905" y="239697"/>
+            <a:ext cx="2565647" cy="1200329"/>
           </a:xfrm>
           <a:prstGeom prst="rect">
             <a:avLst/>
           </a:prstGeom>
+          <a:noFill/>
         </p:spPr>
-      </p:pic>
+        <p:txBody>
+          <a:bodyPr wrap="square" rtlCol="0">
+            <a:spAutoFit/>
+          </a:bodyPr>
+          <a:lstStyle/>
+          <a:p>
+            <a:r>
+              <a:rPr lang="en-GB" dirty="0" err="1"/>
+              <a:t>Dragen</a:t>
+            </a:r>
+            <a:endParaRPr lang="en-GB" dirty="0"/>
+          </a:p>
+          <a:p>
+            <a:endParaRPr lang="da-DK" dirty="0"/>
+          </a:p>
+          <a:p>
+            <a:r>
+              <a:rPr lang="da-DK" dirty="0"/>
+              <a:t>Lav den til blanding mellem </a:t>
+            </a:r>
+            <a:r>
+              <a:rPr lang="da-DK" dirty="0" err="1"/>
+              <a:t>adult</a:t>
+            </a:r>
+            <a:r>
+              <a:rPr lang="da-DK" dirty="0"/>
+              <a:t> og Ancient</a:t>
+            </a:r>
+            <a:endParaRPr lang="en-DK" dirty="0"/>
+          </a:p>
+        </p:txBody>
+      </p:sp>
     </p:spTree>
     <p:extLst>
       <p:ext uri="{BB962C8B-B14F-4D97-AF65-F5344CB8AC3E}">
-        <p14:creationId xmlns:p14="http://schemas.microsoft.com/office/powerpoint/2010/main" val="626448894"/>
+        <p14:creationId xmlns:p14="http://schemas.microsoft.com/office/powerpoint/2010/main" val="415807117"/>
       </p:ext>
     </p:extLst>
   </p:cSld>
